--- a/Презентация WEB.pptx
+++ b/Презентация WEB.pptx
@@ -111,6 +111,11 @@
       </a:defRPr>
     </a:lvl9pPr>
   </p:defaultTextStyle>
+  <p:extLst>
+    <p:ext uri="{EFAFB233-063F-42B5-8137-9DF3F51BA10A}">
+      <p15:sldGuideLst xmlns:p15="http://schemas.microsoft.com/office/powerpoint/2012/main"/>
+    </p:ext>
+  </p:extLst>
 </p:presentation>
 </file>
 
@@ -1889,7 +1894,7 @@
 <dgm:dataModel xmlns:dgm="http://schemas.openxmlformats.org/drawingml/2006/diagram" xmlns:a="http://schemas.openxmlformats.org/drawingml/2006/main">
   <dgm:ptLst>
     <dgm:pt modelId="{010E5811-09AB-407C-9897-2BC6896729D8}" type="doc">
-      <dgm:prSet loTypeId="urn:microsoft.com/office/officeart/2005/8/layout/vList2" loCatId="list" qsTypeId="urn:microsoft.com/office/officeart/2005/8/quickstyle/simple1" qsCatId="simple" csTypeId="urn:microsoft.com/office/officeart/2005/8/colors/accent1_2" csCatId="accent1"/>
+      <dgm:prSet loTypeId="urn:microsoft.com/office/officeart/2005/8/layout/vList2" loCatId="list" qsTypeId="urn:microsoft.com/office/officeart/2005/8/quickstyle/simple1" qsCatId="simple" csTypeId="urn:microsoft.com/office/officeart/2005/8/colors/accent1_2" csCatId="accent1" phldr="1"/>
       <dgm:spPr/>
       <dgm:t>
         <a:bodyPr/>
@@ -1954,7 +1959,7 @@
               <a:latin typeface="Calibri" panose="020F0502020204030204" pitchFamily="34" charset="0"/>
               <a:cs typeface="Calibri" panose="020F0502020204030204" pitchFamily="34" charset="0"/>
             </a:rPr>
-            <a:t>Разработать три основные таблицы: «Пилоты», «Команды», «Гонки» с полным функционалом.</a:t>
+            <a:t>Разработать четыре основные таблицы: «Пилоты», «Команды», «Гонки» и «Пользователи» с полным функционалом.</a:t>
           </a:r>
           <a:endParaRPr lang="en-US" dirty="0">
             <a:latin typeface="Calibri" panose="020F0502020204030204" pitchFamily="34" charset="0"/>
@@ -2762,7 +2767,7 @@
               <a:latin typeface="Calibri" panose="020F0502020204030204" pitchFamily="34" charset="0"/>
               <a:cs typeface="Calibri" panose="020F0502020204030204" pitchFamily="34" charset="0"/>
             </a:rPr>
-            <a:t>Разработать три основные таблицы: «Пилоты», «Команды», «Гонки» с полным функционалом.</a:t>
+            <a:t>Разработать четыре основные таблицы: «Пилоты», «Команды», «Гонки» и «Пользователи» с полным функционалом.</a:t>
           </a:r>
           <a:endParaRPr lang="en-US" sz="2500" kern="1200" dirty="0">
             <a:latin typeface="Calibri" panose="020F0502020204030204" pitchFamily="34" charset="0"/>
@@ -5894,7 +5899,7 @@
           <a:p>
             <a:fld id="{8A0F448E-D40D-FD45-BC43-5E7EF03C35F2}" type="datetimeFigureOut">
               <a:rPr lang="ru-RU" smtClean="0"/>
-              <a:t>11.05.2025</a:t>
+              <a:t>14.05.2025</a:t>
             </a:fld>
             <a:endParaRPr lang="ru-RU"/>
           </a:p>
@@ -6092,7 +6097,7 @@
           <a:p>
             <a:fld id="{8A0F448E-D40D-FD45-BC43-5E7EF03C35F2}" type="datetimeFigureOut">
               <a:rPr lang="ru-RU" smtClean="0"/>
-              <a:t>11.05.2025</a:t>
+              <a:t>14.05.2025</a:t>
             </a:fld>
             <a:endParaRPr lang="ru-RU"/>
           </a:p>
@@ -6300,7 +6305,7 @@
           <a:p>
             <a:fld id="{8A0F448E-D40D-FD45-BC43-5E7EF03C35F2}" type="datetimeFigureOut">
               <a:rPr lang="ru-RU" smtClean="0"/>
-              <a:t>11.05.2025</a:t>
+              <a:t>14.05.2025</a:t>
             </a:fld>
             <a:endParaRPr lang="ru-RU"/>
           </a:p>
@@ -6498,7 +6503,7 @@
           <a:p>
             <a:fld id="{8A0F448E-D40D-FD45-BC43-5E7EF03C35F2}" type="datetimeFigureOut">
               <a:rPr lang="ru-RU" smtClean="0"/>
-              <a:t>11.05.2025</a:t>
+              <a:t>14.05.2025</a:t>
             </a:fld>
             <a:endParaRPr lang="ru-RU"/>
           </a:p>
@@ -6773,7 +6778,7 @@
           <a:p>
             <a:fld id="{8A0F448E-D40D-FD45-BC43-5E7EF03C35F2}" type="datetimeFigureOut">
               <a:rPr lang="ru-RU" smtClean="0"/>
-              <a:t>11.05.2025</a:t>
+              <a:t>14.05.2025</a:t>
             </a:fld>
             <a:endParaRPr lang="ru-RU"/>
           </a:p>
@@ -7038,7 +7043,7 @@
           <a:p>
             <a:fld id="{8A0F448E-D40D-FD45-BC43-5E7EF03C35F2}" type="datetimeFigureOut">
               <a:rPr lang="ru-RU" smtClean="0"/>
-              <a:t>11.05.2025</a:t>
+              <a:t>14.05.2025</a:t>
             </a:fld>
             <a:endParaRPr lang="ru-RU"/>
           </a:p>
@@ -7450,7 +7455,7 @@
           <a:p>
             <a:fld id="{8A0F448E-D40D-FD45-BC43-5E7EF03C35F2}" type="datetimeFigureOut">
               <a:rPr lang="ru-RU" smtClean="0"/>
-              <a:t>11.05.2025</a:t>
+              <a:t>14.05.2025</a:t>
             </a:fld>
             <a:endParaRPr lang="ru-RU"/>
           </a:p>
@@ -7591,7 +7596,7 @@
           <a:p>
             <a:fld id="{8A0F448E-D40D-FD45-BC43-5E7EF03C35F2}" type="datetimeFigureOut">
               <a:rPr lang="ru-RU" smtClean="0"/>
-              <a:t>11.05.2025</a:t>
+              <a:t>14.05.2025</a:t>
             </a:fld>
             <a:endParaRPr lang="ru-RU"/>
           </a:p>
@@ -7704,7 +7709,7 @@
           <a:p>
             <a:fld id="{8A0F448E-D40D-FD45-BC43-5E7EF03C35F2}" type="datetimeFigureOut">
               <a:rPr lang="ru-RU" smtClean="0"/>
-              <a:t>11.05.2025</a:t>
+              <a:t>14.05.2025</a:t>
             </a:fld>
             <a:endParaRPr lang="ru-RU"/>
           </a:p>
@@ -8015,7 +8020,7 @@
           <a:p>
             <a:fld id="{8A0F448E-D40D-FD45-BC43-5E7EF03C35F2}" type="datetimeFigureOut">
               <a:rPr lang="ru-RU" smtClean="0"/>
-              <a:t>11.05.2025</a:t>
+              <a:t>14.05.2025</a:t>
             </a:fld>
             <a:endParaRPr lang="ru-RU"/>
           </a:p>
@@ -8303,7 +8308,7 @@
           <a:p>
             <a:fld id="{8A0F448E-D40D-FD45-BC43-5E7EF03C35F2}" type="datetimeFigureOut">
               <a:rPr lang="ru-RU" smtClean="0"/>
-              <a:t>11.05.2025</a:t>
+              <a:t>14.05.2025</a:t>
             </a:fld>
             <a:endParaRPr lang="ru-RU"/>
           </a:p>
@@ -8544,7 +8549,7 @@
           <a:p>
             <a:fld id="{8A0F448E-D40D-FD45-BC43-5E7EF03C35F2}" type="datetimeFigureOut">
               <a:rPr lang="ru-RU" smtClean="0"/>
-              <a:t>11.05.2025</a:t>
+              <a:t>14.05.2025</a:t>
             </a:fld>
             <a:endParaRPr lang="ru-RU"/>
           </a:p>
@@ -10450,7 +10455,7 @@
             <p:ph idx="1"/>
             <p:extLst>
               <p:ext uri="{D42A27DB-BD31-4B8C-83A1-F6EECF244321}">
-                <p14:modId xmlns:p14="http://schemas.microsoft.com/office/powerpoint/2010/main" val="1381387350"/>
+                <p14:modId xmlns:p14="http://schemas.microsoft.com/office/powerpoint/2010/main" val="1328201544"/>
               </p:ext>
             </p:extLst>
           </p:nvPr>
@@ -10878,14 +10883,14 @@
                 <a:latin typeface="Calibri" panose="020F0502020204030204" pitchFamily="34" charset="0"/>
                 <a:cs typeface="Calibri" panose="020F0502020204030204" pitchFamily="34" charset="0"/>
               </a:rPr>
-              <a:t>Инструменты хостинга: </a:t>
+              <a:t>Инструменты хостинга:  </a:t>
             </a:r>
             <a:r>
-              <a:rPr lang="en-US" sz="2400" dirty="0">
+              <a:rPr lang="en-US" sz="2400" b="1" dirty="0" err="1">
                 <a:latin typeface="Calibri" panose="020F0502020204030204" pitchFamily="34" charset="0"/>
                 <a:cs typeface="Calibri" panose="020F0502020204030204" pitchFamily="34" charset="0"/>
               </a:rPr>
-              <a:t>Glitch</a:t>
+              <a:t>render.com</a:t>
             </a:r>
             <a:endParaRPr lang="ru-RU" sz="2400" dirty="0">
               <a:latin typeface="Calibri" panose="020F0502020204030204" pitchFamily="34" charset="0"/>
